--- a/121/Lab3/rectangular_Microstrip__ntenna.pptx
+++ b/121/Lab3/rectangular_Microstrip__ntenna.pptx
@@ -182,6 +182,35 @@
     </p:ext>
   </p:extLst>
 </p:presentation>
+</file>
+
+<file path=ppt/changesInfos/changesInfo1.xml><?xml version="1.0" encoding="utf-8"?>
+<pc:chgInfo xmlns:a="http://schemas.openxmlformats.org/drawingml/2006/main" xmlns:r="http://schemas.openxmlformats.org/officeDocument/2006/relationships" xmlns:ac="http://schemas.microsoft.com/office/drawing/2013/main/command" xmlns:pc="http://schemas.microsoft.com/office/powerpoint/2013/main/command">
+  <pc:docChgLst>
+    <pc:chgData name="Wanqing Shao" userId="9ead3f2541bcef24" providerId="LiveId" clId="{72188E2C-C3A1-45F3-8BDF-5C18265D0C5A}"/>
+    <pc:docChg chg="modSld">
+      <pc:chgData name="Wanqing Shao" userId="9ead3f2541bcef24" providerId="LiveId" clId="{72188E2C-C3A1-45F3-8BDF-5C18265D0C5A}" dt="2024-12-13T04:02:25.553" v="0" actId="1076"/>
+      <pc:docMkLst>
+        <pc:docMk/>
+      </pc:docMkLst>
+      <pc:sldChg chg="modSp mod">
+        <pc:chgData name="Wanqing Shao" userId="9ead3f2541bcef24" providerId="LiveId" clId="{72188E2C-C3A1-45F3-8BDF-5C18265D0C5A}" dt="2024-12-13T04:02:25.553" v="0" actId="1076"/>
+        <pc:sldMkLst>
+          <pc:docMk/>
+          <pc:sldMk cId="4023829206" sldId="256"/>
+        </pc:sldMkLst>
+        <pc:picChg chg="mod">
+          <ac:chgData name="Wanqing Shao" userId="9ead3f2541bcef24" providerId="LiveId" clId="{72188E2C-C3A1-45F3-8BDF-5C18265D0C5A}" dt="2024-12-13T04:02:25.553" v="0" actId="1076"/>
+          <ac:picMkLst>
+            <pc:docMk/>
+            <pc:sldMk cId="4023829206" sldId="256"/>
+            <ac:picMk id="4" creationId="{AF4EB086-D6B3-D379-93C4-2CAF00F5CFCC}"/>
+          </ac:picMkLst>
+        </pc:picChg>
+      </pc:sldChg>
+    </pc:docChg>
+  </pc:docChgLst>
+</pc:chgInfo>
 </file>
 
 <file path=ppt/handoutMasters/handoutMaster1.xml><?xml version="1.0" encoding="utf-8"?>
@@ -1868,7 +1897,7 @@
         </p:blipFill>
         <p:spPr>
           <a:xfrm>
-            <a:off x="833496" y="963613"/>
+            <a:off x="833496" y="969963"/>
             <a:ext cx="7477007" cy="3384550"/>
           </a:xfrm>
           <a:prstGeom prst="rect">
@@ -7206,18 +7235,18 @@
 </file>
 
 <file path=customXml/item1.xml><?xml version="1.0" encoding="utf-8"?>
-<p:properties xmlns:p="http://schemas.microsoft.com/office/2006/metadata/properties" xmlns:xsi="http://www.w3.org/2001/XMLSchema-instance" xmlns:pc="http://schemas.microsoft.com/office/infopath/2007/PartnerControls">
-  <documentManagement/>
-</p:properties>
-</file>
-
-<file path=customXml/item2.xml><?xml version="1.0" encoding="utf-8"?>
 <?mso-contentType ?>
 <FormTemplates xmlns="http://schemas.microsoft.com/sharepoint/v3/contenttype/forms">
   <Display>DocumentLibraryForm</Display>
   <Edit>DocumentLibraryForm</Edit>
   <New>DocumentLibraryForm</New>
 </FormTemplates>
+</file>
+
+<file path=customXml/item2.xml><?xml version="1.0" encoding="utf-8"?>
+<p:properties xmlns:p="http://schemas.microsoft.com/office/2006/metadata/properties" xmlns:xsi="http://www.w3.org/2001/XMLSchema-instance" xmlns:pc="http://schemas.microsoft.com/office/infopath/2007/PartnerControls">
+  <documentManagement/>
+</p:properties>
 </file>
 
 <file path=customXml/item3.xml><?xml version="1.0" encoding="utf-8"?>
@@ -7335,6 +7364,14 @@
 </file>
 
 <file path=customXml/itemProps1.xml><?xml version="1.0" encoding="utf-8"?>
+<ds:datastoreItem xmlns:ds="http://schemas.openxmlformats.org/officeDocument/2006/customXml" ds:itemID="{7639D1E8-798D-451F-AD0A-603F96FDC936}">
+  <ds:schemaRefs>
+    <ds:schemaRef ds:uri="http://schemas.microsoft.com/sharepoint/v3/contenttype/forms"/>
+  </ds:schemaRefs>
+</ds:datastoreItem>
+</file>
+
+<file path=customXml/itemProps2.xml><?xml version="1.0" encoding="utf-8"?>
 <ds:datastoreItem xmlns:ds="http://schemas.openxmlformats.org/officeDocument/2006/customXml" ds:itemID="{E87FC097-0634-40C1-B149-BBE9D764D849}">
   <ds:schemaRefs>
     <ds:schemaRef ds:uri="http://purl.org/dc/terms/"/>
@@ -7345,14 +7382,6 @@
     <ds:schemaRef ds:uri="http://schemas.microsoft.com/office/2006/metadata/properties"/>
     <ds:schemaRef ds:uri="http://www.w3.org/XML/1998/namespace"/>
     <ds:schemaRef ds:uri="http://purl.org/dc/dcmitype/"/>
-  </ds:schemaRefs>
-</ds:datastoreItem>
-</file>
-
-<file path=customXml/itemProps2.xml><?xml version="1.0" encoding="utf-8"?>
-<ds:datastoreItem xmlns:ds="http://schemas.openxmlformats.org/officeDocument/2006/customXml" ds:itemID="{7639D1E8-798D-451F-AD0A-603F96FDC936}">
-  <ds:schemaRefs>
-    <ds:schemaRef ds:uri="http://schemas.microsoft.com/sharepoint/v3/contenttype/forms"/>
   </ds:schemaRefs>
 </ds:datastoreItem>
 </file>
